--- a/2018/04-April/MeetingAgenda.pptx
+++ b/2018/04-April/MeetingAgenda.pptx
@@ -297,7 +297,7 @@
           <a:p>
             <a:fld id="{96DFF08F-DC6B-4601-B491-B0F83F6DD2DA}" type="datetimeFigureOut">
               <a:rPr lang="en-US" dirty="0"/>
-              <a:t>3/22/2018</a:t>
+              <a:t>4/25/2018</a:t>
             </a:fld>
             <a:endParaRPr lang="en-US" dirty="0"/>
           </a:p>
@@ -462,7 +462,7 @@
           <a:p>
             <a:fld id="{96DFF08F-DC6B-4601-B491-B0F83F6DD2DA}" type="datetimeFigureOut">
               <a:rPr lang="en-US" dirty="0"/>
-              <a:t>3/22/2018</a:t>
+              <a:t>4/25/2018</a:t>
             </a:fld>
             <a:endParaRPr lang="en-US" dirty="0"/>
           </a:p>
@@ -680,7 +680,7 @@
           <a:p>
             <a:fld id="{96DFF08F-DC6B-4601-B491-B0F83F6DD2DA}" type="datetimeFigureOut">
               <a:rPr lang="en-US" dirty="0"/>
-              <a:t>3/22/2018</a:t>
+              <a:t>4/25/2018</a:t>
             </a:fld>
             <a:endParaRPr lang="en-US" dirty="0"/>
           </a:p>
@@ -895,7 +895,7 @@
           <a:p>
             <a:fld id="{D0634792-6DD7-4E5B-BE1E-FD54681891FB}" type="datetimeFigureOut">
               <a:rPr lang="en-GB" smtClean="0"/>
-              <a:t>22/03/2018</a:t>
+              <a:t>25/04/2018</a:t>
             </a:fld>
             <a:endParaRPr lang="en-GB"/>
           </a:p>
@@ -1095,7 +1095,7 @@
           <a:p>
             <a:fld id="{D0634792-6DD7-4E5B-BE1E-FD54681891FB}" type="datetimeFigureOut">
               <a:rPr lang="en-GB" smtClean="0"/>
-              <a:t>22/03/2018</a:t>
+              <a:t>25/04/2018</a:t>
             </a:fld>
             <a:endParaRPr lang="en-GB"/>
           </a:p>
@@ -1371,7 +1371,7 @@
           <a:p>
             <a:fld id="{D0634792-6DD7-4E5B-BE1E-FD54681891FB}" type="datetimeFigureOut">
               <a:rPr lang="en-GB" smtClean="0"/>
-              <a:t>22/03/2018</a:t>
+              <a:t>25/04/2018</a:t>
             </a:fld>
             <a:endParaRPr lang="en-GB"/>
           </a:p>
@@ -1639,7 +1639,7 @@
           <a:p>
             <a:fld id="{D0634792-6DD7-4E5B-BE1E-FD54681891FB}" type="datetimeFigureOut">
               <a:rPr lang="en-GB" smtClean="0"/>
-              <a:t>22/03/2018</a:t>
+              <a:t>25/04/2018</a:t>
             </a:fld>
             <a:endParaRPr lang="en-GB"/>
           </a:p>
@@ -2054,7 +2054,7 @@
           <a:p>
             <a:fld id="{D0634792-6DD7-4E5B-BE1E-FD54681891FB}" type="datetimeFigureOut">
               <a:rPr lang="en-GB" smtClean="0"/>
-              <a:t>22/03/2018</a:t>
+              <a:t>25/04/2018</a:t>
             </a:fld>
             <a:endParaRPr lang="en-GB"/>
           </a:p>
@@ -2196,7 +2196,7 @@
           <a:p>
             <a:fld id="{D0634792-6DD7-4E5B-BE1E-FD54681891FB}" type="datetimeFigureOut">
               <a:rPr lang="en-GB" smtClean="0"/>
-              <a:t>22/03/2018</a:t>
+              <a:t>25/04/2018</a:t>
             </a:fld>
             <a:endParaRPr lang="en-GB"/>
           </a:p>
@@ -2309,7 +2309,7 @@
           <a:p>
             <a:fld id="{D0634792-6DD7-4E5B-BE1E-FD54681891FB}" type="datetimeFigureOut">
               <a:rPr lang="en-GB" smtClean="0"/>
-              <a:t>22/03/2018</a:t>
+              <a:t>25/04/2018</a:t>
             </a:fld>
             <a:endParaRPr lang="en-GB"/>
           </a:p>
@@ -2622,7 +2622,7 @@
           <a:p>
             <a:fld id="{D0634792-6DD7-4E5B-BE1E-FD54681891FB}" type="datetimeFigureOut">
               <a:rPr lang="en-GB" smtClean="0"/>
-              <a:t>22/03/2018</a:t>
+              <a:t>25/04/2018</a:t>
             </a:fld>
             <a:endParaRPr lang="en-GB"/>
           </a:p>
@@ -2804,7 +2804,7 @@
           <a:p>
             <a:fld id="{96DFF08F-DC6B-4601-B491-B0F83F6DD2DA}" type="datetimeFigureOut">
               <a:rPr lang="en-US" dirty="0"/>
-              <a:t>3/22/2018</a:t>
+              <a:t>4/25/2018</a:t>
             </a:fld>
             <a:endParaRPr lang="en-US" dirty="0"/>
           </a:p>
@@ -3076,7 +3076,7 @@
           <a:p>
             <a:fld id="{D0634792-6DD7-4E5B-BE1E-FD54681891FB}" type="datetimeFigureOut">
               <a:rPr lang="en-GB" smtClean="0"/>
-              <a:t>22/03/2018</a:t>
+              <a:t>25/04/2018</a:t>
             </a:fld>
             <a:endParaRPr lang="en-GB"/>
           </a:p>
@@ -3276,7 +3276,7 @@
           <a:p>
             <a:fld id="{D0634792-6DD7-4E5B-BE1E-FD54681891FB}" type="datetimeFigureOut">
               <a:rPr lang="en-GB" smtClean="0"/>
-              <a:t>22/03/2018</a:t>
+              <a:t>25/04/2018</a:t>
             </a:fld>
             <a:endParaRPr lang="en-GB"/>
           </a:p>
@@ -3486,7 +3486,7 @@
           <a:p>
             <a:fld id="{D0634792-6DD7-4E5B-BE1E-FD54681891FB}" type="datetimeFigureOut">
               <a:rPr lang="en-GB" smtClean="0"/>
-              <a:t>22/03/2018</a:t>
+              <a:t>25/04/2018</a:t>
             </a:fld>
             <a:endParaRPr lang="en-GB"/>
           </a:p>
@@ -4868,7 +4868,7 @@
             <a:fld id="{96DFF08F-DC6B-4601-B491-B0F83F6DD2DA}" type="datetimeFigureOut">
               <a:rPr lang="en-US" dirty="0"/>
               <a:pPr/>
-              <a:t>3/22/2018</a:t>
+              <a:t>4/25/2018</a:t>
             </a:fld>
             <a:endParaRPr lang="en-US" dirty="0"/>
           </a:p>
@@ -5875,7 +5875,7 @@
           <a:p>
             <a:fld id="{96DFF08F-DC6B-4601-B491-B0F83F6DD2DA}" type="datetimeFigureOut">
               <a:rPr lang="en-US" dirty="0"/>
-              <a:t>3/22/2018</a:t>
+              <a:t>4/25/2018</a:t>
             </a:fld>
             <a:endParaRPr lang="en-US" dirty="0"/>
           </a:p>
@@ -6292,7 +6292,7 @@
           <a:p>
             <a:fld id="{96DFF08F-DC6B-4601-B491-B0F83F6DD2DA}" type="datetimeFigureOut">
               <a:rPr lang="en-US" dirty="0"/>
-              <a:t>3/22/2018</a:t>
+              <a:t>4/25/2018</a:t>
             </a:fld>
             <a:endParaRPr lang="en-US" dirty="0"/>
           </a:p>
@@ -6405,7 +6405,7 @@
           <a:p>
             <a:fld id="{96DFF08F-DC6B-4601-B491-B0F83F6DD2DA}" type="datetimeFigureOut">
               <a:rPr lang="en-US" dirty="0"/>
-              <a:t>3/22/2018</a:t>
+              <a:t>4/25/2018</a:t>
             </a:fld>
             <a:endParaRPr lang="en-US" dirty="0"/>
           </a:p>
@@ -6495,7 +6495,7 @@
           <a:p>
             <a:fld id="{96DFF08F-DC6B-4601-B491-B0F83F6DD2DA}" type="datetimeFigureOut">
               <a:rPr lang="en-US" dirty="0"/>
-              <a:t>3/22/2018</a:t>
+              <a:t>4/25/2018</a:t>
             </a:fld>
             <a:endParaRPr lang="en-US" dirty="0"/>
           </a:p>
@@ -6763,7 +6763,7 @@
           <a:p>
             <a:fld id="{96DFF08F-DC6B-4601-B491-B0F83F6DD2DA}" type="datetimeFigureOut">
               <a:rPr lang="en-US" dirty="0"/>
-              <a:t>3/22/2018</a:t>
+              <a:t>4/25/2018</a:t>
             </a:fld>
             <a:endParaRPr lang="en-US" dirty="0"/>
           </a:p>
@@ -7023,7 +7023,7 @@
           <a:p>
             <a:fld id="{96DFF08F-DC6B-4601-B491-B0F83F6DD2DA}" type="datetimeFigureOut">
               <a:rPr lang="en-US" dirty="0"/>
-              <a:t>3/22/2018</a:t>
+              <a:t>4/25/2018</a:t>
             </a:fld>
             <a:endParaRPr lang="en-US" dirty="0"/>
           </a:p>
@@ -7268,7 +7268,7 @@
             <a:fld id="{96DFF08F-DC6B-4601-B491-B0F83F6DD2DA}" type="datetimeFigureOut">
               <a:rPr lang="en-US" dirty="0"/>
               <a:pPr/>
-              <a:t>3/22/2018</a:t>
+              <a:t>4/25/2018</a:t>
             </a:fld>
             <a:endParaRPr lang="en-US" dirty="0"/>
           </a:p>
@@ -7872,7 +7872,7 @@
           <a:p>
             <a:fld id="{D0634792-6DD7-4E5B-BE1E-FD54681891FB}" type="datetimeFigureOut">
               <a:rPr lang="en-GB" smtClean="0"/>
-              <a:t>22/03/2018</a:t>
+              <a:t>25/04/2018</a:t>
             </a:fld>
             <a:endParaRPr lang="en-GB"/>
           </a:p>
@@ -8356,7 +8356,7 @@
           </a:ln>
           <a:extLst>
             <a:ext uri="{C572A759-6A51-4108-AA02-DFA0A04FC94B}">
-              <ma14:wrappingTextBoxFlag xmlns:ma14="http://schemas.microsoft.com/office/mac/drawingml/2011/main" xmlns="" val="1"/>
+              <ma14:wrappingTextBoxFlag xmlns="" xmlns:ma14="http://schemas.microsoft.com/office/mac/drawingml/2011/main" val="1"/>
             </a:ext>
           </a:extLst>
         </p:spPr>
@@ -8395,7 +8395,7 @@
           </a:ln>
           <a:extLst>
             <a:ext uri="{C572A759-6A51-4108-AA02-DFA0A04FC94B}">
-              <ma14:wrappingTextBoxFlag xmlns:ma14="http://schemas.microsoft.com/office/mac/drawingml/2011/main" xmlns="" val="1"/>
+              <ma14:wrappingTextBoxFlag xmlns="" xmlns:ma14="http://schemas.microsoft.com/office/mac/drawingml/2011/main" val="1"/>
             </a:ext>
           </a:extLst>
         </p:spPr>
@@ -9421,7 +9421,7 @@
               <a:rPr lang="en-GB" sz="2800" b="1" dirty="0">
                 <a:latin typeface="Montserrat" panose="02000505000000020004" pitchFamily="2" charset="0"/>
               </a:rPr>
-              <a:t>21/03/2018</a:t>
+              <a:t>25/04/2018</a:t>
             </a:r>
           </a:p>
         </p:txBody>
@@ -12591,7 +12591,7 @@
 </file>
 
 <file path=ppt/slides/slide6.xml><?xml version="1.0" encoding="utf-8"?>
-<p:sld xmlns:a="http://schemas.openxmlformats.org/drawingml/2006/main" xmlns:r="http://schemas.openxmlformats.org/officeDocument/2006/relationships" xmlns:p="http://schemas.openxmlformats.org/presentationml/2006/main">
+<p:sld xmlns:a="http://schemas.openxmlformats.org/drawingml/2006/main" xmlns:r="http://schemas.openxmlformats.org/officeDocument/2006/relationships" xmlns:p="http://schemas.openxmlformats.org/presentationml/2006/main" show="0">
   <p:cSld>
     <p:bg>
       <p:bgPr>
@@ -12694,16 +12694,8 @@
               <a:rPr sz="2800" dirty="0">
                 <a:latin typeface="Montserrat" panose="02000505000000020004" pitchFamily="2" charset="0"/>
               </a:rPr>
-              <a:t> Fundamentals (Online monthly)</a:t>
-            </a:r>
-          </a:p>
-          <a:p>
-            <a:pPr marL="411480" lvl="1" indent="-182879">
-              <a:spcBef>
-                <a:spcPts val="400"/>
-              </a:spcBef>
-              <a:defRPr sz="3000"/>
-            </a:pPr>
+              <a:t> Fundamentals </a:t>
+            </a:r>
             <a:r>
               <a:rPr lang="en-GB" sz="2800" u="sng" dirty="0">
                 <a:uFill>
@@ -12894,19 +12886,19 @@
         </p:nvSpPr>
         <p:spPr>
           <a:xfrm>
-            <a:off x="83856" y="2100102"/>
-            <a:ext cx="11582400" cy="4318454"/>
+            <a:off x="205273" y="2100102"/>
+            <a:ext cx="11821885" cy="4453240"/>
           </a:xfrm>
         </p:spPr>
         <p:txBody>
           <a:bodyPr>
-            <a:normAutofit/>
+            <a:normAutofit lnSpcReduction="10000"/>
           </a:bodyPr>
           <a:lstStyle/>
           <a:p>
             <a:r>
-              <a:rPr lang="en-GB" sz="3200" dirty="0">
-                <a:latin typeface="Calibri" panose="020F0502020204030204" pitchFamily="34" charset="0"/>
+              <a:rPr lang="en-GB" sz="2800" dirty="0">
+                <a:latin typeface="Montserrat" panose="02000505000000020004" pitchFamily="2" charset="0"/>
                 <a:cs typeface="Calibri" panose="020F0502020204030204" pitchFamily="34" charset="0"/>
               </a:rPr>
               <a:t>7.00pm – Welcome, introductions and agenda</a:t>
@@ -12914,50 +12906,137 @@
           </a:p>
           <a:p>
             <a:r>
-              <a:rPr lang="en-GB" sz="3200" dirty="0">
-                <a:latin typeface="Calibri" panose="020F0502020204030204" pitchFamily="34" charset="0"/>
+              <a:rPr lang="en-GB" sz="2800" dirty="0">
+                <a:latin typeface="Montserrat" panose="02000505000000020004" pitchFamily="2" charset="0"/>
                 <a:cs typeface="Calibri" panose="020F0502020204030204" pitchFamily="34" charset="0"/>
               </a:rPr>
               <a:t>7.15pm – </a:t>
             </a:r>
             <a:r>
-              <a:rPr lang="en-GB" sz="3200" b="1" dirty="0">
-                <a:latin typeface="Calibri" panose="020F0502020204030204" pitchFamily="34" charset="0"/>
+              <a:rPr lang="en-GB" sz="2800" b="1" dirty="0">
+                <a:latin typeface="Montserrat" panose="02000505000000020004" pitchFamily="2" charset="0"/>
+              </a:rPr>
+              <a:t>'Don't Reinvent the Wheel, Just Realign It' </a:t>
+            </a:r>
+            <a:r>
+              <a:rPr lang="en-GB" sz="2800" dirty="0">
+                <a:latin typeface="Montserrat" panose="02000505000000020004" pitchFamily="2" charset="0"/>
+              </a:rPr>
+              <a:t>by Josh King (@</a:t>
+            </a:r>
+            <a:r>
+              <a:rPr lang="en-GB" sz="2800" dirty="0" err="1">
+                <a:latin typeface="Montserrat" panose="02000505000000020004" pitchFamily="2" charset="0"/>
+              </a:rPr>
+              <a:t>WindosNZ</a:t>
+            </a:r>
+            <a:r>
+              <a:rPr lang="en-GB" sz="2800" dirty="0">
+                <a:latin typeface="Montserrat" panose="02000505000000020004" pitchFamily="2" charset="0"/>
+              </a:rPr>
+              <a:t>)</a:t>
+            </a:r>
+          </a:p>
+          <a:p>
+            <a:endParaRPr lang="en-GB" sz="2800" dirty="0">
+              <a:solidFill>
+                <a:srgbClr val="FFFFFF"/>
+              </a:solidFill>
+              <a:latin typeface="Montserrat" panose="02000505000000020004" pitchFamily="2" charset="0"/>
+              <a:cs typeface="Calibri" panose="020F0502020204030204" pitchFamily="34" charset="0"/>
+            </a:endParaRPr>
+          </a:p>
+          <a:p>
+            <a:r>
+              <a:rPr lang="en-GB" sz="2800" dirty="0">
+                <a:solidFill>
+                  <a:srgbClr val="FFFFFF"/>
+                </a:solidFill>
+                <a:latin typeface="Montserrat" panose="02000505000000020004" pitchFamily="2" charset="0"/>
                 <a:cs typeface="Calibri" panose="020F0502020204030204" pitchFamily="34" charset="0"/>
               </a:rPr>
-              <a:t>RTFM - Runtime Type Fiddling for the Masses </a:t>
-            </a:r>
-            <a:r>
-              <a:rPr lang="en-GB" sz="3200" dirty="0">
-                <a:latin typeface="Calibri" panose="020F0502020204030204" pitchFamily="34" charset="0"/>
+              <a:t>8.15pm – Break</a:t>
+            </a:r>
+          </a:p>
+          <a:p>
+            <a:endParaRPr lang="en-GB" sz="2800" dirty="0">
+              <a:solidFill>
+                <a:srgbClr val="FFFFFF"/>
+              </a:solidFill>
+              <a:latin typeface="Montserrat" panose="02000505000000020004" pitchFamily="2" charset="0"/>
+              <a:cs typeface="Calibri" panose="020F0502020204030204" pitchFamily="34" charset="0"/>
+            </a:endParaRPr>
+          </a:p>
+          <a:p>
+            <a:r>
+              <a:rPr lang="en-GB" sz="2800" dirty="0">
+                <a:solidFill>
+                  <a:srgbClr val="FFFFFF"/>
+                </a:solidFill>
+                <a:latin typeface="Montserrat" panose="02000505000000020004" pitchFamily="2" charset="0"/>
                 <a:cs typeface="Calibri" panose="020F0502020204030204" pitchFamily="34" charset="0"/>
               </a:rPr>
-              <a:t>by </a:t>
-            </a:r>
-            <a:r>
-              <a:rPr lang="en-GB" sz="3200" b="1" dirty="0">
-                <a:latin typeface="Calibri" panose="020F0502020204030204" pitchFamily="34" charset="0"/>
+              <a:t>8.20pm </a:t>
+            </a:r>
+            <a:r>
+              <a:rPr lang="en-GB" sz="2800" dirty="0">
+                <a:latin typeface="Montserrat" panose="02000505000000020004" pitchFamily="2" charset="0"/>
                 <a:cs typeface="Calibri" panose="020F0502020204030204" pitchFamily="34" charset="0"/>
               </a:rPr>
-              <a:t>Mathias Jessen </a:t>
-            </a:r>
-            <a:r>
-              <a:rPr lang="en-GB" sz="3200" dirty="0">
-                <a:latin typeface="Calibri" panose="020F0502020204030204" pitchFamily="34" charset="0"/>
+              <a:t>– </a:t>
+            </a:r>
+            <a:r>
+              <a:rPr lang="en-GB" sz="2800" b="1" dirty="0">
+                <a:latin typeface="Montserrat" panose="02000505000000020004" pitchFamily="2" charset="0"/>
                 <a:cs typeface="Calibri" panose="020F0502020204030204" pitchFamily="34" charset="0"/>
               </a:rPr>
-              <a:t>(@</a:t>
-            </a:r>
-            <a:r>
-              <a:rPr lang="en-GB" sz="3200" dirty="0" err="1">
-                <a:latin typeface="Calibri" panose="020F0502020204030204" pitchFamily="34" charset="0"/>
+              <a:t>'</a:t>
+            </a:r>
+            <a:r>
+              <a:rPr lang="en-GB" sz="2800" b="1" dirty="0" err="1">
+                <a:latin typeface="Montserrat" panose="02000505000000020004" pitchFamily="2" charset="0"/>
                 <a:cs typeface="Calibri" panose="020F0502020204030204" pitchFamily="34" charset="0"/>
               </a:rPr>
-              <a:t>iisresetme</a:t>
-            </a:r>
-            <a:r>
-              <a:rPr lang="en-GB" sz="3200" dirty="0">
-                <a:latin typeface="Calibri" panose="020F0502020204030204" pitchFamily="34" charset="0"/>
+              <a:t>Hitchikers</a:t>
+            </a:r>
+            <a:r>
+              <a:rPr lang="en-GB" sz="2800" b="1" dirty="0">
+                <a:latin typeface="Montserrat" panose="02000505000000020004" pitchFamily="2" charset="0"/>
+                <a:cs typeface="Calibri" panose="020F0502020204030204" pitchFamily="34" charset="0"/>
+              </a:rPr>
+              <a:t> Guide to user-friendly module design' </a:t>
+            </a:r>
+            <a:r>
+              <a:rPr lang="en-GB" sz="2800" dirty="0">
+                <a:latin typeface="Montserrat" panose="02000505000000020004" pitchFamily="2" charset="0"/>
+                <a:cs typeface="Calibri" panose="020F0502020204030204" pitchFamily="34" charset="0"/>
+              </a:rPr>
+              <a:t>by Friedrich </a:t>
+            </a:r>
+            <a:r>
+              <a:rPr lang="en-GB" sz="2800" dirty="0" err="1">
+                <a:latin typeface="Montserrat" panose="02000505000000020004" pitchFamily="2" charset="0"/>
+                <a:cs typeface="Calibri" panose="020F0502020204030204" pitchFamily="34" charset="0"/>
+              </a:rPr>
+              <a:t>Weinmann</a:t>
+            </a:r>
+            <a:r>
+              <a:rPr lang="en-GB" sz="2800" dirty="0">
+                <a:latin typeface="Montserrat" panose="02000505000000020004" pitchFamily="2" charset="0"/>
+                <a:cs typeface="Calibri" panose="020F0502020204030204" pitchFamily="34" charset="0"/>
+              </a:rPr>
+              <a:t> (@</a:t>
+            </a:r>
+            <a:r>
+              <a:rPr lang="en-GB" sz="2800" dirty="0" err="1">
+                <a:latin typeface="Montserrat" panose="02000505000000020004" pitchFamily="2" charset="0"/>
+                <a:cs typeface="Calibri" panose="020F0502020204030204" pitchFamily="34" charset="0"/>
+              </a:rPr>
+              <a:t>FredWeinmann</a:t>
+            </a:r>
+            <a:r>
+              <a:rPr lang="en-GB" sz="2800" dirty="0">
+                <a:latin typeface="Montserrat" panose="02000505000000020004" pitchFamily="2" charset="0"/>
                 <a:cs typeface="Calibri" panose="020F0502020204030204" pitchFamily="34" charset="0"/>
               </a:rPr>
               <a:t>)</a:t>
@@ -12965,132 +13044,31 @@
           </a:p>
           <a:p>
             <a:r>
-              <a:rPr lang="en-GB" sz="3200" dirty="0">
+              <a:rPr lang="en-GB" sz="2800" dirty="0">
                 <a:solidFill>
                   <a:srgbClr val="FFFFFF"/>
                 </a:solidFill>
-                <a:latin typeface="Calibri" panose="020F0502020204030204" pitchFamily="34" charset="0"/>
-                <a:cs typeface="Calibri" panose="020F0502020204030204" pitchFamily="34" charset="0"/>
-              </a:rPr>
-              <a:t>8.15pm – Break</a:t>
-            </a:r>
-          </a:p>
-          <a:p>
-            <a:r>
-              <a:rPr lang="en-GB" sz="3200" dirty="0">
-                <a:solidFill>
-                  <a:srgbClr val="FFFFFF"/>
-                </a:solidFill>
-                <a:latin typeface="Calibri" panose="020F0502020204030204" pitchFamily="34" charset="0"/>
-                <a:cs typeface="Calibri" panose="020F0502020204030204" pitchFamily="34" charset="0"/>
-              </a:rPr>
-              <a:t>8.20pm </a:t>
-            </a:r>
-            <a:r>
-              <a:rPr lang="en-GB" sz="3200" dirty="0">
-                <a:latin typeface="Calibri" panose="020F0502020204030204" pitchFamily="34" charset="0"/>
-                <a:cs typeface="Calibri" panose="020F0502020204030204" pitchFamily="34" charset="0"/>
-              </a:rPr>
-              <a:t>– </a:t>
-            </a:r>
-            <a:r>
-              <a:rPr lang="en-GB" sz="3200" b="1" dirty="0">
-                <a:latin typeface="Calibri" panose="020F0502020204030204" pitchFamily="34" charset="0"/>
-                <a:cs typeface="Calibri" panose="020F0502020204030204" pitchFamily="34" charset="0"/>
-              </a:rPr>
-              <a:t>All about PowerShell Script Analyzer</a:t>
-            </a:r>
-            <a:r>
-              <a:rPr lang="en-GB" sz="3200" dirty="0">
-                <a:latin typeface="Calibri" panose="020F0502020204030204" pitchFamily="34" charset="0"/>
-                <a:cs typeface="Calibri" panose="020F0502020204030204" pitchFamily="34" charset="0"/>
-              </a:rPr>
-              <a:t> by </a:t>
-            </a:r>
-            <a:r>
-              <a:rPr lang="en-GB" sz="3200" b="1" dirty="0">
-                <a:latin typeface="Calibri" panose="020F0502020204030204" pitchFamily="34" charset="0"/>
-                <a:cs typeface="Calibri" panose="020F0502020204030204" pitchFamily="34" charset="0"/>
-              </a:rPr>
-              <a:t>Chris </a:t>
-            </a:r>
-            <a:r>
-              <a:rPr lang="en-GB" sz="3200" b="1" dirty="0" err="1">
-                <a:latin typeface="Calibri" panose="020F0502020204030204" pitchFamily="34" charset="0"/>
-                <a:cs typeface="Calibri" panose="020F0502020204030204" pitchFamily="34" charset="0"/>
-              </a:rPr>
-              <a:t>Bergmeister</a:t>
-            </a:r>
-            <a:r>
-              <a:rPr lang="en-GB" sz="3200" dirty="0">
-                <a:latin typeface="Calibri" panose="020F0502020204030204" pitchFamily="34" charset="0"/>
-                <a:cs typeface="Calibri" panose="020F0502020204030204" pitchFamily="34" charset="0"/>
-              </a:rPr>
-              <a:t>(@</a:t>
-            </a:r>
-            <a:r>
-              <a:rPr lang="en-GB" sz="3200" dirty="0" err="1">
-                <a:latin typeface="Calibri" panose="020F0502020204030204" pitchFamily="34" charset="0"/>
-                <a:cs typeface="Calibri" panose="020F0502020204030204" pitchFamily="34" charset="0"/>
-              </a:rPr>
-              <a:t>christophbergm</a:t>
-            </a:r>
-            <a:r>
-              <a:rPr lang="en-GB" sz="3200" dirty="0">
-                <a:latin typeface="Calibri" panose="020F0502020204030204" pitchFamily="34" charset="0"/>
-                <a:cs typeface="Calibri" panose="020F0502020204030204" pitchFamily="34" charset="0"/>
-              </a:rPr>
-              <a:t>)</a:t>
-            </a:r>
-          </a:p>
-          <a:p>
-            <a:r>
-              <a:rPr lang="en-GB" sz="3200" dirty="0">
-                <a:solidFill>
-                  <a:srgbClr val="FFFFFF"/>
-                </a:solidFill>
-                <a:latin typeface="Calibri" panose="020F0502020204030204" pitchFamily="34" charset="0"/>
+                <a:latin typeface="Montserrat" panose="02000505000000020004" pitchFamily="2" charset="0"/>
                 <a:cs typeface="Calibri" panose="020F0502020204030204" pitchFamily="34" charset="0"/>
               </a:rPr>
               <a:t>9.30pm </a:t>
             </a:r>
             <a:r>
-              <a:rPr lang="en-GB" sz="3200" dirty="0">
-                <a:latin typeface="Calibri" panose="020F0502020204030204" pitchFamily="34" charset="0"/>
+              <a:rPr lang="en-GB" sz="2800" dirty="0">
+                <a:latin typeface="Montserrat" panose="02000505000000020004" pitchFamily="2" charset="0"/>
                 <a:cs typeface="Calibri" panose="020F0502020204030204" pitchFamily="34" charset="0"/>
               </a:rPr>
               <a:t>– Thanks </a:t>
             </a:r>
             <a:r>
-              <a:rPr lang="en-GB" sz="3200" dirty="0" err="1">
-                <a:latin typeface="Calibri" panose="020F0502020204030204" pitchFamily="34" charset="0"/>
+              <a:rPr lang="en-GB" sz="2800" dirty="0" err="1">
+                <a:latin typeface="Montserrat" panose="02000505000000020004" pitchFamily="2" charset="0"/>
                 <a:cs typeface="Calibri" panose="020F0502020204030204" pitchFamily="34" charset="0"/>
               </a:rPr>
               <a:t>you’s</a:t>
             </a:r>
-            <a:endParaRPr lang="en-GB" sz="2400" dirty="0">
-              <a:latin typeface="Calibri" panose="020F0502020204030204" pitchFamily="34" charset="0"/>
-              <a:cs typeface="Calibri" panose="020F0502020204030204" pitchFamily="34" charset="0"/>
-            </a:endParaRPr>
-          </a:p>
-          <a:p>
-            <a:endParaRPr lang="en-GB" sz="3200" dirty="0">
-              <a:latin typeface="Calibri" panose="020F0502020204030204" pitchFamily="34" charset="0"/>
-              <a:cs typeface="Calibri" panose="020F0502020204030204" pitchFamily="34" charset="0"/>
-            </a:endParaRPr>
-          </a:p>
-          <a:p>
-            <a:endParaRPr lang="en-GB" sz="3200" dirty="0">
-              <a:solidFill>
-                <a:srgbClr val="FFFFFF"/>
-              </a:solidFill>
-              <a:latin typeface="Calibri" panose="020F0502020204030204" pitchFamily="34" charset="0"/>
-              <a:cs typeface="Calibri" panose="020F0502020204030204" pitchFamily="34" charset="0"/>
-            </a:endParaRPr>
-          </a:p>
-          <a:p>
-            <a:endParaRPr lang="en-GB" sz="3200" dirty="0">
-              <a:latin typeface="Calibri" panose="020F0502020204030204" pitchFamily="34" charset="0"/>
+            <a:endParaRPr lang="en-GB" sz="2800" dirty="0">
+              <a:latin typeface="Montserrat" panose="02000505000000020004" pitchFamily="2" charset="0"/>
               <a:cs typeface="Calibri" panose="020F0502020204030204" pitchFamily="34" charset="0"/>
             </a:endParaRPr>
           </a:p>
